--- a/CSI3010 Data Warehousing Data Mining/reference materials/module-4 classification/13_Logistic Regression.pptx
+++ b/CSI3010 Data Warehousing Data Mining/reference materials/module-4 classification/13_Logistic Regression.pptx
@@ -24,19 +24,6 @@
     <p:sldId id="265" r:id="rId18"/>
     <p:sldId id="267" r:id="rId19"/>
     <p:sldId id="268" r:id="rId20"/>
-    <p:sldId id="269" r:id="rId21"/>
-    <p:sldId id="270" r:id="rId22"/>
-    <p:sldId id="271" r:id="rId23"/>
-    <p:sldId id="272" r:id="rId24"/>
-    <p:sldId id="273" r:id="rId25"/>
-    <p:sldId id="274" r:id="rId26"/>
-    <p:sldId id="275" r:id="rId27"/>
-    <p:sldId id="276" r:id="rId28"/>
-    <p:sldId id="277" r:id="rId29"/>
-    <p:sldId id="278" r:id="rId30"/>
-    <p:sldId id="279" r:id="rId31"/>
-    <p:sldId id="280" r:id="rId32"/>
-    <p:sldId id="281" r:id="rId33"/>
   </p:sldIdLst>
   <p:sldSz cx="12192000" cy="6858000"/>
   <p:notesSz cx="6858000" cy="9144000"/>
@@ -185,7 +172,7 @@
           </a:lstStyle>
           <a:p>
             <a:r>
-              <a:rPr lang="en-US" smtClean="0"/>
+              <a:rPr lang="en-US"/>
               <a:t>Click to edit Master title style</a:t>
             </a:r>
             <a:endParaRPr lang="en-IN"/>
@@ -250,7 +237,7 @@
           </a:lstStyle>
           <a:p>
             <a:r>
-              <a:rPr lang="en-US" smtClean="0"/>
+              <a:rPr lang="en-US"/>
               <a:t>Click to edit Master subtitle style</a:t>
             </a:r>
             <a:endParaRPr lang="en-IN"/>
@@ -274,7 +261,7 @@
           <a:p>
             <a:fld id="{83A38097-8FE4-43A7-B86F-27DB08137DB5}" type="datetimeFigureOut">
               <a:rPr lang="en-IN" smtClean="0"/>
-              <a:t>11-02-2021</a:t>
+              <a:t>16/05/22</a:t>
             </a:fld>
             <a:endParaRPr lang="en-IN"/>
           </a:p>
@@ -368,7 +355,7 @@
           <a:lstStyle/>
           <a:p>
             <a:r>
-              <a:rPr lang="en-US" smtClean="0"/>
+              <a:rPr lang="en-US"/>
               <a:t>Click to edit Master title style</a:t>
             </a:r>
             <a:endParaRPr lang="en-IN"/>
@@ -392,35 +379,35 @@
           <a:p>
             <a:pPr lvl="0"/>
             <a:r>
-              <a:rPr lang="en-US" smtClean="0"/>
+              <a:rPr lang="en-US"/>
               <a:t>Click to edit Master text styles</a:t>
             </a:r>
           </a:p>
           <a:p>
             <a:pPr lvl="1"/>
             <a:r>
-              <a:rPr lang="en-US" smtClean="0"/>
+              <a:rPr lang="en-US"/>
               <a:t>Second level</a:t>
             </a:r>
           </a:p>
           <a:p>
             <a:pPr lvl="2"/>
             <a:r>
-              <a:rPr lang="en-US" smtClean="0"/>
+              <a:rPr lang="en-US"/>
               <a:t>Third level</a:t>
             </a:r>
           </a:p>
           <a:p>
             <a:pPr lvl="3"/>
             <a:r>
-              <a:rPr lang="en-US" smtClean="0"/>
+              <a:rPr lang="en-US"/>
               <a:t>Fourth level</a:t>
             </a:r>
           </a:p>
           <a:p>
             <a:pPr lvl="4"/>
             <a:r>
-              <a:rPr lang="en-US" smtClean="0"/>
+              <a:rPr lang="en-US"/>
               <a:t>Fifth level</a:t>
             </a:r>
             <a:endParaRPr lang="en-IN"/>
@@ -444,7 +431,7 @@
           <a:p>
             <a:fld id="{83A38097-8FE4-43A7-B86F-27DB08137DB5}" type="datetimeFigureOut">
               <a:rPr lang="en-IN" smtClean="0"/>
-              <a:t>11-02-2021</a:t>
+              <a:t>16/05/22</a:t>
             </a:fld>
             <a:endParaRPr lang="en-IN"/>
           </a:p>
@@ -543,7 +530,7 @@
           <a:lstStyle/>
           <a:p>
             <a:r>
-              <a:rPr lang="en-US" smtClean="0"/>
+              <a:rPr lang="en-US"/>
               <a:t>Click to edit Master title style</a:t>
             </a:r>
             <a:endParaRPr lang="en-IN"/>
@@ -572,35 +559,35 @@
           <a:p>
             <a:pPr lvl="0"/>
             <a:r>
-              <a:rPr lang="en-US" smtClean="0"/>
+              <a:rPr lang="en-US"/>
               <a:t>Click to edit Master text styles</a:t>
             </a:r>
           </a:p>
           <a:p>
             <a:pPr lvl="1"/>
             <a:r>
-              <a:rPr lang="en-US" smtClean="0"/>
+              <a:rPr lang="en-US"/>
               <a:t>Second level</a:t>
             </a:r>
           </a:p>
           <a:p>
             <a:pPr lvl="2"/>
             <a:r>
-              <a:rPr lang="en-US" smtClean="0"/>
+              <a:rPr lang="en-US"/>
               <a:t>Third level</a:t>
             </a:r>
           </a:p>
           <a:p>
             <a:pPr lvl="3"/>
             <a:r>
-              <a:rPr lang="en-US" smtClean="0"/>
+              <a:rPr lang="en-US"/>
               <a:t>Fourth level</a:t>
             </a:r>
           </a:p>
           <a:p>
             <a:pPr lvl="4"/>
             <a:r>
-              <a:rPr lang="en-US" smtClean="0"/>
+              <a:rPr lang="en-US"/>
               <a:t>Fifth level</a:t>
             </a:r>
             <a:endParaRPr lang="en-IN"/>
@@ -624,7 +611,7 @@
           <a:p>
             <a:fld id="{83A38097-8FE4-43A7-B86F-27DB08137DB5}" type="datetimeFigureOut">
               <a:rPr lang="en-IN" smtClean="0"/>
-              <a:t>11-02-2021</a:t>
+              <a:t>16/05/22</a:t>
             </a:fld>
             <a:endParaRPr lang="en-IN"/>
           </a:p>
@@ -718,7 +705,7 @@
           <a:lstStyle/>
           <a:p>
             <a:r>
-              <a:rPr lang="en-US" smtClean="0"/>
+              <a:rPr lang="en-US"/>
               <a:t>Click to edit Master title style</a:t>
             </a:r>
             <a:endParaRPr lang="en-IN"/>
@@ -742,35 +729,35 @@
           <a:p>
             <a:pPr lvl="0"/>
             <a:r>
-              <a:rPr lang="en-US" smtClean="0"/>
+              <a:rPr lang="en-US"/>
               <a:t>Click to edit Master text styles</a:t>
             </a:r>
           </a:p>
           <a:p>
             <a:pPr lvl="1"/>
             <a:r>
-              <a:rPr lang="en-US" smtClean="0"/>
+              <a:rPr lang="en-US"/>
               <a:t>Second level</a:t>
             </a:r>
           </a:p>
           <a:p>
             <a:pPr lvl="2"/>
             <a:r>
-              <a:rPr lang="en-US" smtClean="0"/>
+              <a:rPr lang="en-US"/>
               <a:t>Third level</a:t>
             </a:r>
           </a:p>
           <a:p>
             <a:pPr lvl="3"/>
             <a:r>
-              <a:rPr lang="en-US" smtClean="0"/>
+              <a:rPr lang="en-US"/>
               <a:t>Fourth level</a:t>
             </a:r>
           </a:p>
           <a:p>
             <a:pPr lvl="4"/>
             <a:r>
-              <a:rPr lang="en-US" smtClean="0"/>
+              <a:rPr lang="en-US"/>
               <a:t>Fifth level</a:t>
             </a:r>
             <a:endParaRPr lang="en-IN"/>
@@ -794,7 +781,7 @@
           <a:p>
             <a:fld id="{83A38097-8FE4-43A7-B86F-27DB08137DB5}" type="datetimeFigureOut">
               <a:rPr lang="en-IN" smtClean="0"/>
-              <a:t>11-02-2021</a:t>
+              <a:t>16/05/22</a:t>
             </a:fld>
             <a:endParaRPr lang="en-IN"/>
           </a:p>
@@ -897,7 +884,7 @@
           </a:lstStyle>
           <a:p>
             <a:r>
-              <a:rPr lang="en-US" smtClean="0"/>
+              <a:rPr lang="en-US"/>
               <a:t>Click to edit Master title style</a:t>
             </a:r>
             <a:endParaRPr lang="en-IN"/>
@@ -1017,7 +1004,7 @@
           <a:p>
             <a:pPr lvl="0"/>
             <a:r>
-              <a:rPr lang="en-US" smtClean="0"/>
+              <a:rPr lang="en-US"/>
               <a:t>Click to edit Master text styles</a:t>
             </a:r>
           </a:p>
@@ -1040,7 +1027,7 @@
           <a:p>
             <a:fld id="{83A38097-8FE4-43A7-B86F-27DB08137DB5}" type="datetimeFigureOut">
               <a:rPr lang="en-IN" smtClean="0"/>
-              <a:t>11-02-2021</a:t>
+              <a:t>16/05/22</a:t>
             </a:fld>
             <a:endParaRPr lang="en-IN"/>
           </a:p>
@@ -1134,7 +1121,7 @@
           <a:lstStyle/>
           <a:p>
             <a:r>
-              <a:rPr lang="en-US" smtClean="0"/>
+              <a:rPr lang="en-US"/>
               <a:t>Click to edit Master title style</a:t>
             </a:r>
             <a:endParaRPr lang="en-IN"/>
@@ -1163,35 +1150,35 @@
           <a:p>
             <a:pPr lvl="0"/>
             <a:r>
-              <a:rPr lang="en-US" smtClean="0"/>
+              <a:rPr lang="en-US"/>
               <a:t>Click to edit Master text styles</a:t>
             </a:r>
           </a:p>
           <a:p>
             <a:pPr lvl="1"/>
             <a:r>
-              <a:rPr lang="en-US" smtClean="0"/>
+              <a:rPr lang="en-US"/>
               <a:t>Second level</a:t>
             </a:r>
           </a:p>
           <a:p>
             <a:pPr lvl="2"/>
             <a:r>
-              <a:rPr lang="en-US" smtClean="0"/>
+              <a:rPr lang="en-US"/>
               <a:t>Third level</a:t>
             </a:r>
           </a:p>
           <a:p>
             <a:pPr lvl="3"/>
             <a:r>
-              <a:rPr lang="en-US" smtClean="0"/>
+              <a:rPr lang="en-US"/>
               <a:t>Fourth level</a:t>
             </a:r>
           </a:p>
           <a:p>
             <a:pPr lvl="4"/>
             <a:r>
-              <a:rPr lang="en-US" smtClean="0"/>
+              <a:rPr lang="en-US"/>
               <a:t>Fifth level</a:t>
             </a:r>
             <a:endParaRPr lang="en-IN"/>
@@ -1220,35 +1207,35 @@
           <a:p>
             <a:pPr lvl="0"/>
             <a:r>
-              <a:rPr lang="en-US" smtClean="0"/>
+              <a:rPr lang="en-US"/>
               <a:t>Click to edit Master text styles</a:t>
             </a:r>
           </a:p>
           <a:p>
             <a:pPr lvl="1"/>
             <a:r>
-              <a:rPr lang="en-US" smtClean="0"/>
+              <a:rPr lang="en-US"/>
               <a:t>Second level</a:t>
             </a:r>
           </a:p>
           <a:p>
             <a:pPr lvl="2"/>
             <a:r>
-              <a:rPr lang="en-US" smtClean="0"/>
+              <a:rPr lang="en-US"/>
               <a:t>Third level</a:t>
             </a:r>
           </a:p>
           <a:p>
             <a:pPr lvl="3"/>
             <a:r>
-              <a:rPr lang="en-US" smtClean="0"/>
+              <a:rPr lang="en-US"/>
               <a:t>Fourth level</a:t>
             </a:r>
           </a:p>
           <a:p>
             <a:pPr lvl="4"/>
             <a:r>
-              <a:rPr lang="en-US" smtClean="0"/>
+              <a:rPr lang="en-US"/>
               <a:t>Fifth level</a:t>
             </a:r>
             <a:endParaRPr lang="en-IN"/>
@@ -1272,7 +1259,7 @@
           <a:p>
             <a:fld id="{83A38097-8FE4-43A7-B86F-27DB08137DB5}" type="datetimeFigureOut">
               <a:rPr lang="en-IN" smtClean="0"/>
-              <a:t>11-02-2021</a:t>
+              <a:t>16/05/22</a:t>
             </a:fld>
             <a:endParaRPr lang="en-IN"/>
           </a:p>
@@ -1371,7 +1358,7 @@
           <a:lstStyle/>
           <a:p>
             <a:r>
-              <a:rPr lang="en-US" smtClean="0"/>
+              <a:rPr lang="en-US"/>
               <a:t>Click to edit Master title style</a:t>
             </a:r>
             <a:endParaRPr lang="en-IN"/>
@@ -1437,7 +1424,7 @@
           <a:p>
             <a:pPr lvl="0"/>
             <a:r>
-              <a:rPr lang="en-US" smtClean="0"/>
+              <a:rPr lang="en-US"/>
               <a:t>Click to edit Master text styles</a:t>
             </a:r>
           </a:p>
@@ -1465,35 +1452,35 @@
           <a:p>
             <a:pPr lvl="0"/>
             <a:r>
-              <a:rPr lang="en-US" smtClean="0"/>
+              <a:rPr lang="en-US"/>
               <a:t>Click to edit Master text styles</a:t>
             </a:r>
           </a:p>
           <a:p>
             <a:pPr lvl="1"/>
             <a:r>
-              <a:rPr lang="en-US" smtClean="0"/>
+              <a:rPr lang="en-US"/>
               <a:t>Second level</a:t>
             </a:r>
           </a:p>
           <a:p>
             <a:pPr lvl="2"/>
             <a:r>
-              <a:rPr lang="en-US" smtClean="0"/>
+              <a:rPr lang="en-US"/>
               <a:t>Third level</a:t>
             </a:r>
           </a:p>
           <a:p>
             <a:pPr lvl="3"/>
             <a:r>
-              <a:rPr lang="en-US" smtClean="0"/>
+              <a:rPr lang="en-US"/>
               <a:t>Fourth level</a:t>
             </a:r>
           </a:p>
           <a:p>
             <a:pPr lvl="4"/>
             <a:r>
-              <a:rPr lang="en-US" smtClean="0"/>
+              <a:rPr lang="en-US"/>
               <a:t>Fifth level</a:t>
             </a:r>
             <a:endParaRPr lang="en-IN"/>
@@ -1559,7 +1546,7 @@
           <a:p>
             <a:pPr lvl="0"/>
             <a:r>
-              <a:rPr lang="en-US" smtClean="0"/>
+              <a:rPr lang="en-US"/>
               <a:t>Click to edit Master text styles</a:t>
             </a:r>
           </a:p>
@@ -1587,35 +1574,35 @@
           <a:p>
             <a:pPr lvl="0"/>
             <a:r>
-              <a:rPr lang="en-US" smtClean="0"/>
+              <a:rPr lang="en-US"/>
               <a:t>Click to edit Master text styles</a:t>
             </a:r>
           </a:p>
           <a:p>
             <a:pPr lvl="1"/>
             <a:r>
-              <a:rPr lang="en-US" smtClean="0"/>
+              <a:rPr lang="en-US"/>
               <a:t>Second level</a:t>
             </a:r>
           </a:p>
           <a:p>
             <a:pPr lvl="2"/>
             <a:r>
-              <a:rPr lang="en-US" smtClean="0"/>
+              <a:rPr lang="en-US"/>
               <a:t>Third level</a:t>
             </a:r>
           </a:p>
           <a:p>
             <a:pPr lvl="3"/>
             <a:r>
-              <a:rPr lang="en-US" smtClean="0"/>
+              <a:rPr lang="en-US"/>
               <a:t>Fourth level</a:t>
             </a:r>
           </a:p>
           <a:p>
             <a:pPr lvl="4"/>
             <a:r>
-              <a:rPr lang="en-US" smtClean="0"/>
+              <a:rPr lang="en-US"/>
               <a:t>Fifth level</a:t>
             </a:r>
             <a:endParaRPr lang="en-IN"/>
@@ -1639,7 +1626,7 @@
           <a:p>
             <a:fld id="{83A38097-8FE4-43A7-B86F-27DB08137DB5}" type="datetimeFigureOut">
               <a:rPr lang="en-IN" smtClean="0"/>
-              <a:t>11-02-2021</a:t>
+              <a:t>16/05/22</a:t>
             </a:fld>
             <a:endParaRPr lang="en-IN"/>
           </a:p>
@@ -1733,7 +1720,7 @@
           <a:lstStyle/>
           <a:p>
             <a:r>
-              <a:rPr lang="en-US" smtClean="0"/>
+              <a:rPr lang="en-US"/>
               <a:t>Click to edit Master title style</a:t>
             </a:r>
             <a:endParaRPr lang="en-IN"/>
@@ -1757,7 +1744,7 @@
           <a:p>
             <a:fld id="{83A38097-8FE4-43A7-B86F-27DB08137DB5}" type="datetimeFigureOut">
               <a:rPr lang="en-IN" smtClean="0"/>
-              <a:t>11-02-2021</a:t>
+              <a:t>16/05/22</a:t>
             </a:fld>
             <a:endParaRPr lang="en-IN"/>
           </a:p>
@@ -1852,7 +1839,7 @@
           <a:p>
             <a:fld id="{83A38097-8FE4-43A7-B86F-27DB08137DB5}" type="datetimeFigureOut">
               <a:rPr lang="en-IN" smtClean="0"/>
-              <a:t>11-02-2021</a:t>
+              <a:t>16/05/22</a:t>
             </a:fld>
             <a:endParaRPr lang="en-IN"/>
           </a:p>
@@ -1955,7 +1942,7 @@
           </a:lstStyle>
           <a:p>
             <a:r>
-              <a:rPr lang="en-US" smtClean="0"/>
+              <a:rPr lang="en-US"/>
               <a:t>Click to edit Master title style</a:t>
             </a:r>
             <a:endParaRPr lang="en-IN"/>
@@ -2012,35 +1999,35 @@
           <a:p>
             <a:pPr lvl="0"/>
             <a:r>
-              <a:rPr lang="en-US" smtClean="0"/>
+              <a:rPr lang="en-US"/>
               <a:t>Click to edit Master text styles</a:t>
             </a:r>
           </a:p>
           <a:p>
             <a:pPr lvl="1"/>
             <a:r>
-              <a:rPr lang="en-US" smtClean="0"/>
+              <a:rPr lang="en-US"/>
               <a:t>Second level</a:t>
             </a:r>
           </a:p>
           <a:p>
             <a:pPr lvl="2"/>
             <a:r>
-              <a:rPr lang="en-US" smtClean="0"/>
+              <a:rPr lang="en-US"/>
               <a:t>Third level</a:t>
             </a:r>
           </a:p>
           <a:p>
             <a:pPr lvl="3"/>
             <a:r>
-              <a:rPr lang="en-US" smtClean="0"/>
+              <a:rPr lang="en-US"/>
               <a:t>Fourth level</a:t>
             </a:r>
           </a:p>
           <a:p>
             <a:pPr lvl="4"/>
             <a:r>
-              <a:rPr lang="en-US" smtClean="0"/>
+              <a:rPr lang="en-US"/>
               <a:t>Fifth level</a:t>
             </a:r>
             <a:endParaRPr lang="en-IN"/>
@@ -2106,7 +2093,7 @@
           <a:p>
             <a:pPr lvl="0"/>
             <a:r>
-              <a:rPr lang="en-US" smtClean="0"/>
+              <a:rPr lang="en-US"/>
               <a:t>Click to edit Master text styles</a:t>
             </a:r>
           </a:p>
@@ -2129,7 +2116,7 @@
           <a:p>
             <a:fld id="{83A38097-8FE4-43A7-B86F-27DB08137DB5}" type="datetimeFigureOut">
               <a:rPr lang="en-IN" smtClean="0"/>
-              <a:t>11-02-2021</a:t>
+              <a:t>16/05/22</a:t>
             </a:fld>
             <a:endParaRPr lang="en-IN"/>
           </a:p>
@@ -2232,7 +2219,7 @@
           </a:lstStyle>
           <a:p>
             <a:r>
-              <a:rPr lang="en-US" smtClean="0"/>
+              <a:rPr lang="en-US"/>
               <a:t>Click to edit Master title style</a:t>
             </a:r>
             <a:endParaRPr lang="en-IN"/>
@@ -2359,7 +2346,7 @@
           <a:p>
             <a:pPr lvl="0"/>
             <a:r>
-              <a:rPr lang="en-US" smtClean="0"/>
+              <a:rPr lang="en-US"/>
               <a:t>Click to edit Master text styles</a:t>
             </a:r>
           </a:p>
@@ -2382,7 +2369,7 @@
           <a:p>
             <a:fld id="{83A38097-8FE4-43A7-B86F-27DB08137DB5}" type="datetimeFigureOut">
               <a:rPr lang="en-IN" smtClean="0"/>
-              <a:t>11-02-2021</a:t>
+              <a:t>16/05/22</a:t>
             </a:fld>
             <a:endParaRPr lang="en-IN"/>
           </a:p>
@@ -2491,7 +2478,7 @@
           <a:lstStyle/>
           <a:p>
             <a:r>
-              <a:rPr lang="en-US" smtClean="0"/>
+              <a:rPr lang="en-US"/>
               <a:t>Click to edit Master title style</a:t>
             </a:r>
             <a:endParaRPr lang="en-IN"/>
@@ -2525,35 +2512,35 @@
           <a:p>
             <a:pPr lvl="0"/>
             <a:r>
-              <a:rPr lang="en-US" smtClean="0"/>
+              <a:rPr lang="en-US"/>
               <a:t>Click to edit Master text styles</a:t>
             </a:r>
           </a:p>
           <a:p>
             <a:pPr lvl="1"/>
             <a:r>
-              <a:rPr lang="en-US" smtClean="0"/>
+              <a:rPr lang="en-US"/>
               <a:t>Second level</a:t>
             </a:r>
           </a:p>
           <a:p>
             <a:pPr lvl="2"/>
             <a:r>
-              <a:rPr lang="en-US" smtClean="0"/>
+              <a:rPr lang="en-US"/>
               <a:t>Third level</a:t>
             </a:r>
           </a:p>
           <a:p>
             <a:pPr lvl="3"/>
             <a:r>
-              <a:rPr lang="en-US" smtClean="0"/>
+              <a:rPr lang="en-US"/>
               <a:t>Fourth level</a:t>
             </a:r>
           </a:p>
           <a:p>
             <a:pPr lvl="4"/>
             <a:r>
-              <a:rPr lang="en-US" smtClean="0"/>
+              <a:rPr lang="en-US"/>
               <a:t>Fifth level</a:t>
             </a:r>
             <a:endParaRPr lang="en-IN"/>
@@ -2595,7 +2582,7 @@
           <a:p>
             <a:fld id="{83A38097-8FE4-43A7-B86F-27DB08137DB5}" type="datetimeFigureOut">
               <a:rPr lang="en-IN" smtClean="0"/>
-              <a:t>11-02-2021</a:t>
+              <a:t>16/05/22</a:t>
             </a:fld>
             <a:endParaRPr lang="en-IN"/>
           </a:p>
@@ -3034,13 +3021,6 @@
   <p:clrMapOvr>
     <a:masterClrMapping/>
   </p:clrMapOvr>
-  <p:timing>
-    <p:tnLst>
-      <p:par>
-        <p:cTn id="1" dur="indefinite" restart="never" nodeType="tmRoot"/>
-      </p:par>
-    </p:tnLst>
-  </p:timing>
 </p:sld>
 </file>
 
@@ -3095,13 +3075,6 @@
   <p:clrMapOvr>
     <a:masterClrMapping/>
   </p:clrMapOvr>
-  <p:timing>
-    <p:tnLst>
-      <p:par>
-        <p:cTn id="1" dur="indefinite" restart="never" nodeType="tmRoot"/>
-      </p:par>
-    </p:tnLst>
-  </p:timing>
 </p:sld>
 </file>
 
@@ -3156,13 +3129,6 @@
   <p:clrMapOvr>
     <a:masterClrMapping/>
   </p:clrMapOvr>
-  <p:timing>
-    <p:tnLst>
-      <p:par>
-        <p:cTn id="1" dur="indefinite" restart="never" nodeType="tmRoot"/>
-      </p:par>
-    </p:tnLst>
-  </p:timing>
 </p:sld>
 </file>
 
@@ -3217,13 +3183,6 @@
   <p:clrMapOvr>
     <a:masterClrMapping/>
   </p:clrMapOvr>
-  <p:timing>
-    <p:tnLst>
-      <p:par>
-        <p:cTn id="1" dur="indefinite" restart="never" nodeType="tmRoot"/>
-      </p:par>
-    </p:tnLst>
-  </p:timing>
 </p:sld>
 </file>
 
@@ -3302,13 +3261,6 @@
   <p:clrMapOvr>
     <a:masterClrMapping/>
   </p:clrMapOvr>
-  <p:timing>
-    <p:tnLst>
-      <p:par>
-        <p:cTn id="1" dur="indefinite" restart="never" nodeType="tmRoot"/>
-      </p:par>
-    </p:tnLst>
-  </p:timing>
 </p:sld>
 </file>
 
@@ -3363,13 +3315,6 @@
   <p:clrMapOvr>
     <a:masterClrMapping/>
   </p:clrMapOvr>
-  <p:timing>
-    <p:tnLst>
-      <p:par>
-        <p:cTn id="1" dur="indefinite" restart="never" nodeType="tmRoot"/>
-      </p:par>
-    </p:tnLst>
-  </p:timing>
 </p:sld>
 </file>
 
@@ -3424,13 +3369,6 @@
   <p:clrMapOvr>
     <a:masterClrMapping/>
   </p:clrMapOvr>
-  <p:timing>
-    <p:tnLst>
-      <p:par>
-        <p:cTn id="1" dur="indefinite" restart="never" nodeType="tmRoot"/>
-      </p:par>
-    </p:tnLst>
-  </p:timing>
 </p:sld>
 </file>
 
@@ -3509,13 +3447,6 @@
   <p:clrMapOvr>
     <a:masterClrMapping/>
   </p:clrMapOvr>
-  <p:timing>
-    <p:tnLst>
-      <p:par>
-        <p:cTn id="1" dur="indefinite" restart="never" nodeType="tmRoot"/>
-      </p:par>
-    </p:tnLst>
-  </p:timing>
 </p:sld>
 </file>
 
@@ -3570,13 +3501,6 @@
   <p:clrMapOvr>
     <a:masterClrMapping/>
   </p:clrMapOvr>
-  <p:timing>
-    <p:tnLst>
-      <p:par>
-        <p:cTn id="1" dur="indefinite" restart="never" nodeType="tmRoot"/>
-      </p:par>
-    </p:tnLst>
-  </p:timing>
 </p:sld>
 </file>
 
@@ -3648,13 +3572,6 @@
   <p:clrMapOvr>
     <a:masterClrMapping/>
   </p:clrMapOvr>
-  <p:timing>
-    <p:tnLst>
-      <p:par>
-        <p:cTn id="1" dur="indefinite" restart="never" nodeType="tmRoot"/>
-      </p:par>
-    </p:tnLst>
-  </p:timing>
 </p:sld>
 </file>
 
@@ -3709,13 +3626,6 @@
   <p:clrMapOvr>
     <a:masterClrMapping/>
   </p:clrMapOvr>
-  <p:timing>
-    <p:tnLst>
-      <p:par>
-        <p:cTn id="1" dur="indefinite" restart="never" nodeType="tmRoot"/>
-      </p:par>
-    </p:tnLst>
-  </p:timing>
 </p:sld>
 </file>
 
@@ -3752,8 +3662,8 @@
         </p:blipFill>
         <p:spPr>
           <a:xfrm>
-            <a:off x="-65565" y="708338"/>
-            <a:ext cx="12549937" cy="5344732"/>
+            <a:off x="247136" y="708338"/>
+            <a:ext cx="11392930" cy="4851989"/>
           </a:xfrm>
           <a:prstGeom prst="rect">
             <a:avLst/>
@@ -3764,348 +3674,6 @@
     <p:extLst>
       <p:ext uri="{BB962C8B-B14F-4D97-AF65-F5344CB8AC3E}">
         <p14:creationId xmlns:p14="http://schemas.microsoft.com/office/powerpoint/2010/main" val="3350159015"/>
-      </p:ext>
-    </p:extLst>
-  </p:cSld>
-  <p:clrMapOvr>
-    <a:masterClrMapping/>
-  </p:clrMapOvr>
-  <p:timing>
-    <p:tnLst>
-      <p:par>
-        <p:cTn id="1" dur="indefinite" restart="never" nodeType="tmRoot"/>
-      </p:par>
-    </p:tnLst>
-  </p:timing>
-</p:sld>
-</file>
-
-<file path=ppt/slides/slide20.xml><?xml version="1.0" encoding="utf-8"?>
-<p:sld xmlns:a="http://schemas.openxmlformats.org/drawingml/2006/main" xmlns:r="http://schemas.openxmlformats.org/officeDocument/2006/relationships" xmlns:p="http://schemas.openxmlformats.org/presentationml/2006/main">
-  <p:cSld>
-    <p:spTree>
-      <p:nvGrpSpPr>
-        <p:cNvPr id="1" name=""/>
-        <p:cNvGrpSpPr/>
-        <p:nvPr/>
-      </p:nvGrpSpPr>
-      <p:grpSpPr>
-        <a:xfrm>
-          <a:off x="0" y="0"/>
-          <a:ext cx="0" cy="0"/>
-          <a:chOff x="0" y="0"/>
-          <a:chExt cx="0" cy="0"/>
-        </a:xfrm>
-      </p:grpSpPr>
-    </p:spTree>
-    <p:extLst>
-      <p:ext uri="{BB962C8B-B14F-4D97-AF65-F5344CB8AC3E}">
-        <p14:creationId xmlns:p14="http://schemas.microsoft.com/office/powerpoint/2010/main" val="3230861776"/>
-      </p:ext>
-    </p:extLst>
-  </p:cSld>
-  <p:clrMapOvr>
-    <a:masterClrMapping/>
-  </p:clrMapOvr>
-  <p:timing>
-    <p:tnLst>
-      <p:par>
-        <p:cTn id="1" dur="indefinite" restart="never" nodeType="tmRoot"/>
-      </p:par>
-    </p:tnLst>
-  </p:timing>
-</p:sld>
-</file>
-
-<file path=ppt/slides/slide21.xml><?xml version="1.0" encoding="utf-8"?>
-<p:sld xmlns:a="http://schemas.openxmlformats.org/drawingml/2006/main" xmlns:r="http://schemas.openxmlformats.org/officeDocument/2006/relationships" xmlns:p="http://schemas.openxmlformats.org/presentationml/2006/main">
-  <p:cSld>
-    <p:spTree>
-      <p:nvGrpSpPr>
-        <p:cNvPr id="1" name=""/>
-        <p:cNvGrpSpPr/>
-        <p:nvPr/>
-      </p:nvGrpSpPr>
-      <p:grpSpPr>
-        <a:xfrm>
-          <a:off x="0" y="0"/>
-          <a:ext cx="0" cy="0"/>
-          <a:chOff x="0" y="0"/>
-          <a:chExt cx="0" cy="0"/>
-        </a:xfrm>
-      </p:grpSpPr>
-    </p:spTree>
-    <p:extLst>
-      <p:ext uri="{BB962C8B-B14F-4D97-AF65-F5344CB8AC3E}">
-        <p14:creationId xmlns:p14="http://schemas.microsoft.com/office/powerpoint/2010/main" val="2578484690"/>
-      </p:ext>
-    </p:extLst>
-  </p:cSld>
-  <p:clrMapOvr>
-    <a:masterClrMapping/>
-  </p:clrMapOvr>
-  <p:timing>
-    <p:tnLst>
-      <p:par>
-        <p:cTn id="1" dur="indefinite" restart="never" nodeType="tmRoot"/>
-      </p:par>
-    </p:tnLst>
-  </p:timing>
-</p:sld>
-</file>
-
-<file path=ppt/slides/slide22.xml><?xml version="1.0" encoding="utf-8"?>
-<p:sld xmlns:a="http://schemas.openxmlformats.org/drawingml/2006/main" xmlns:r="http://schemas.openxmlformats.org/officeDocument/2006/relationships" xmlns:p="http://schemas.openxmlformats.org/presentationml/2006/main">
-  <p:cSld>
-    <p:spTree>
-      <p:nvGrpSpPr>
-        <p:cNvPr id="1" name=""/>
-        <p:cNvGrpSpPr/>
-        <p:nvPr/>
-      </p:nvGrpSpPr>
-      <p:grpSpPr>
-        <a:xfrm>
-          <a:off x="0" y="0"/>
-          <a:ext cx="0" cy="0"/>
-          <a:chOff x="0" y="0"/>
-          <a:chExt cx="0" cy="0"/>
-        </a:xfrm>
-      </p:grpSpPr>
-    </p:spTree>
-    <p:extLst>
-      <p:ext uri="{BB962C8B-B14F-4D97-AF65-F5344CB8AC3E}">
-        <p14:creationId xmlns:p14="http://schemas.microsoft.com/office/powerpoint/2010/main" val="2139065975"/>
-      </p:ext>
-    </p:extLst>
-  </p:cSld>
-  <p:clrMapOvr>
-    <a:masterClrMapping/>
-  </p:clrMapOvr>
-  <p:timing>
-    <p:tnLst>
-      <p:par>
-        <p:cTn id="1" dur="indefinite" restart="never" nodeType="tmRoot"/>
-      </p:par>
-    </p:tnLst>
-  </p:timing>
-</p:sld>
-</file>
-
-<file path=ppt/slides/slide23.xml><?xml version="1.0" encoding="utf-8"?>
-<p:sld xmlns:a="http://schemas.openxmlformats.org/drawingml/2006/main" xmlns:r="http://schemas.openxmlformats.org/officeDocument/2006/relationships" xmlns:p="http://schemas.openxmlformats.org/presentationml/2006/main">
-  <p:cSld>
-    <p:spTree>
-      <p:nvGrpSpPr>
-        <p:cNvPr id="1" name=""/>
-        <p:cNvGrpSpPr/>
-        <p:nvPr/>
-      </p:nvGrpSpPr>
-      <p:grpSpPr>
-        <a:xfrm>
-          <a:off x="0" y="0"/>
-          <a:ext cx="0" cy="0"/>
-          <a:chOff x="0" y="0"/>
-          <a:chExt cx="0" cy="0"/>
-        </a:xfrm>
-      </p:grpSpPr>
-    </p:spTree>
-    <p:extLst>
-      <p:ext uri="{BB962C8B-B14F-4D97-AF65-F5344CB8AC3E}">
-        <p14:creationId xmlns:p14="http://schemas.microsoft.com/office/powerpoint/2010/main" val="3961647016"/>
-      </p:ext>
-    </p:extLst>
-  </p:cSld>
-  <p:clrMapOvr>
-    <a:masterClrMapping/>
-  </p:clrMapOvr>
-  <p:timing>
-    <p:tnLst>
-      <p:par>
-        <p:cTn id="1" dur="indefinite" restart="never" nodeType="tmRoot"/>
-      </p:par>
-    </p:tnLst>
-  </p:timing>
-</p:sld>
-</file>
-
-<file path=ppt/slides/slide24.xml><?xml version="1.0" encoding="utf-8"?>
-<p:sld xmlns:a="http://schemas.openxmlformats.org/drawingml/2006/main" xmlns:r="http://schemas.openxmlformats.org/officeDocument/2006/relationships" xmlns:p="http://schemas.openxmlformats.org/presentationml/2006/main">
-  <p:cSld>
-    <p:spTree>
-      <p:nvGrpSpPr>
-        <p:cNvPr id="1" name=""/>
-        <p:cNvGrpSpPr/>
-        <p:nvPr/>
-      </p:nvGrpSpPr>
-      <p:grpSpPr>
-        <a:xfrm>
-          <a:off x="0" y="0"/>
-          <a:ext cx="0" cy="0"/>
-          <a:chOff x="0" y="0"/>
-          <a:chExt cx="0" cy="0"/>
-        </a:xfrm>
-      </p:grpSpPr>
-    </p:spTree>
-    <p:extLst>
-      <p:ext uri="{BB962C8B-B14F-4D97-AF65-F5344CB8AC3E}">
-        <p14:creationId xmlns:p14="http://schemas.microsoft.com/office/powerpoint/2010/main" val="3062790235"/>
-      </p:ext>
-    </p:extLst>
-  </p:cSld>
-  <p:clrMapOvr>
-    <a:masterClrMapping/>
-  </p:clrMapOvr>
-  <p:timing>
-    <p:tnLst>
-      <p:par>
-        <p:cTn id="1" dur="indefinite" restart="never" nodeType="tmRoot"/>
-      </p:par>
-    </p:tnLst>
-  </p:timing>
-</p:sld>
-</file>
-
-<file path=ppt/slides/slide25.xml><?xml version="1.0" encoding="utf-8"?>
-<p:sld xmlns:a="http://schemas.openxmlformats.org/drawingml/2006/main" xmlns:r="http://schemas.openxmlformats.org/officeDocument/2006/relationships" xmlns:p="http://schemas.openxmlformats.org/presentationml/2006/main">
-  <p:cSld>
-    <p:spTree>
-      <p:nvGrpSpPr>
-        <p:cNvPr id="1" name=""/>
-        <p:cNvGrpSpPr/>
-        <p:nvPr/>
-      </p:nvGrpSpPr>
-      <p:grpSpPr>
-        <a:xfrm>
-          <a:off x="0" y="0"/>
-          <a:ext cx="0" cy="0"/>
-          <a:chOff x="0" y="0"/>
-          <a:chExt cx="0" cy="0"/>
-        </a:xfrm>
-      </p:grpSpPr>
-    </p:spTree>
-    <p:extLst>
-      <p:ext uri="{BB962C8B-B14F-4D97-AF65-F5344CB8AC3E}">
-        <p14:creationId xmlns:p14="http://schemas.microsoft.com/office/powerpoint/2010/main" val="1081892565"/>
-      </p:ext>
-    </p:extLst>
-  </p:cSld>
-  <p:clrMapOvr>
-    <a:masterClrMapping/>
-  </p:clrMapOvr>
-</p:sld>
-</file>
-
-<file path=ppt/slides/slide26.xml><?xml version="1.0" encoding="utf-8"?>
-<p:sld xmlns:a="http://schemas.openxmlformats.org/drawingml/2006/main" xmlns:r="http://schemas.openxmlformats.org/officeDocument/2006/relationships" xmlns:p="http://schemas.openxmlformats.org/presentationml/2006/main">
-  <p:cSld>
-    <p:spTree>
-      <p:nvGrpSpPr>
-        <p:cNvPr id="1" name=""/>
-        <p:cNvGrpSpPr/>
-        <p:nvPr/>
-      </p:nvGrpSpPr>
-      <p:grpSpPr>
-        <a:xfrm>
-          <a:off x="0" y="0"/>
-          <a:ext cx="0" cy="0"/>
-          <a:chOff x="0" y="0"/>
-          <a:chExt cx="0" cy="0"/>
-        </a:xfrm>
-      </p:grpSpPr>
-    </p:spTree>
-    <p:extLst>
-      <p:ext uri="{BB962C8B-B14F-4D97-AF65-F5344CB8AC3E}">
-        <p14:creationId xmlns:p14="http://schemas.microsoft.com/office/powerpoint/2010/main" val="2267708792"/>
-      </p:ext>
-    </p:extLst>
-  </p:cSld>
-  <p:clrMapOvr>
-    <a:masterClrMapping/>
-  </p:clrMapOvr>
-</p:sld>
-</file>
-
-<file path=ppt/slides/slide27.xml><?xml version="1.0" encoding="utf-8"?>
-<p:sld xmlns:a="http://schemas.openxmlformats.org/drawingml/2006/main" xmlns:r="http://schemas.openxmlformats.org/officeDocument/2006/relationships" xmlns:p="http://schemas.openxmlformats.org/presentationml/2006/main">
-  <p:cSld>
-    <p:spTree>
-      <p:nvGrpSpPr>
-        <p:cNvPr id="1" name=""/>
-        <p:cNvGrpSpPr/>
-        <p:nvPr/>
-      </p:nvGrpSpPr>
-      <p:grpSpPr>
-        <a:xfrm>
-          <a:off x="0" y="0"/>
-          <a:ext cx="0" cy="0"/>
-          <a:chOff x="0" y="0"/>
-          <a:chExt cx="0" cy="0"/>
-        </a:xfrm>
-      </p:grpSpPr>
-    </p:spTree>
-    <p:extLst>
-      <p:ext uri="{BB962C8B-B14F-4D97-AF65-F5344CB8AC3E}">
-        <p14:creationId xmlns:p14="http://schemas.microsoft.com/office/powerpoint/2010/main" val="3493361651"/>
-      </p:ext>
-    </p:extLst>
-  </p:cSld>
-  <p:clrMapOvr>
-    <a:masterClrMapping/>
-  </p:clrMapOvr>
-</p:sld>
-</file>
-
-<file path=ppt/slides/slide28.xml><?xml version="1.0" encoding="utf-8"?>
-<p:sld xmlns:a="http://schemas.openxmlformats.org/drawingml/2006/main" xmlns:r="http://schemas.openxmlformats.org/officeDocument/2006/relationships" xmlns:p="http://schemas.openxmlformats.org/presentationml/2006/main">
-  <p:cSld>
-    <p:spTree>
-      <p:nvGrpSpPr>
-        <p:cNvPr id="1" name=""/>
-        <p:cNvGrpSpPr/>
-        <p:nvPr/>
-      </p:nvGrpSpPr>
-      <p:grpSpPr>
-        <a:xfrm>
-          <a:off x="0" y="0"/>
-          <a:ext cx="0" cy="0"/>
-          <a:chOff x="0" y="0"/>
-          <a:chExt cx="0" cy="0"/>
-        </a:xfrm>
-      </p:grpSpPr>
-    </p:spTree>
-    <p:extLst>
-      <p:ext uri="{BB962C8B-B14F-4D97-AF65-F5344CB8AC3E}">
-        <p14:creationId xmlns:p14="http://schemas.microsoft.com/office/powerpoint/2010/main" val="3498889585"/>
-      </p:ext>
-    </p:extLst>
-  </p:cSld>
-  <p:clrMapOvr>
-    <a:masterClrMapping/>
-  </p:clrMapOvr>
-</p:sld>
-</file>
-
-<file path=ppt/slides/slide29.xml><?xml version="1.0" encoding="utf-8"?>
-<p:sld xmlns:a="http://schemas.openxmlformats.org/drawingml/2006/main" xmlns:r="http://schemas.openxmlformats.org/officeDocument/2006/relationships" xmlns:p="http://schemas.openxmlformats.org/presentationml/2006/main">
-  <p:cSld>
-    <p:spTree>
-      <p:nvGrpSpPr>
-        <p:cNvPr id="1" name=""/>
-        <p:cNvGrpSpPr/>
-        <p:nvPr/>
-      </p:nvGrpSpPr>
-      <p:grpSpPr>
-        <a:xfrm>
-          <a:off x="0" y="0"/>
-          <a:ext cx="0" cy="0"/>
-          <a:chOff x="0" y="0"/>
-          <a:chExt cx="0" cy="0"/>
-        </a:xfrm>
-      </p:grpSpPr>
-    </p:spTree>
-    <p:extLst>
-      <p:ext uri="{BB962C8B-B14F-4D97-AF65-F5344CB8AC3E}">
-        <p14:creationId xmlns:p14="http://schemas.microsoft.com/office/powerpoint/2010/main" val="1991362559"/>
       </p:ext>
     </p:extLst>
   </p:cSld>
@@ -4148,8 +3716,8 @@
         </p:blipFill>
         <p:spPr>
           <a:xfrm>
-            <a:off x="25031" y="931312"/>
-            <a:ext cx="12141938" cy="4995375"/>
+            <a:off x="173312" y="832459"/>
+            <a:ext cx="11553250" cy="4753180"/>
           </a:xfrm>
           <a:prstGeom prst="rect">
             <a:avLst/>
@@ -4160,103 +3728,6 @@
     <p:extLst>
       <p:ext uri="{BB962C8B-B14F-4D97-AF65-F5344CB8AC3E}">
         <p14:creationId xmlns:p14="http://schemas.microsoft.com/office/powerpoint/2010/main" val="3716065143"/>
-      </p:ext>
-    </p:extLst>
-  </p:cSld>
-  <p:clrMapOvr>
-    <a:masterClrMapping/>
-  </p:clrMapOvr>
-  <p:timing>
-    <p:tnLst>
-      <p:par>
-        <p:cTn id="1" dur="indefinite" restart="never" nodeType="tmRoot"/>
-      </p:par>
-    </p:tnLst>
-  </p:timing>
-</p:sld>
-</file>
-
-<file path=ppt/slides/slide30.xml><?xml version="1.0" encoding="utf-8"?>
-<p:sld xmlns:a="http://schemas.openxmlformats.org/drawingml/2006/main" xmlns:r="http://schemas.openxmlformats.org/officeDocument/2006/relationships" xmlns:p="http://schemas.openxmlformats.org/presentationml/2006/main">
-  <p:cSld>
-    <p:spTree>
-      <p:nvGrpSpPr>
-        <p:cNvPr id="1" name=""/>
-        <p:cNvGrpSpPr/>
-        <p:nvPr/>
-      </p:nvGrpSpPr>
-      <p:grpSpPr>
-        <a:xfrm>
-          <a:off x="0" y="0"/>
-          <a:ext cx="0" cy="0"/>
-          <a:chOff x="0" y="0"/>
-          <a:chExt cx="0" cy="0"/>
-        </a:xfrm>
-      </p:grpSpPr>
-    </p:spTree>
-    <p:extLst>
-      <p:ext uri="{BB962C8B-B14F-4D97-AF65-F5344CB8AC3E}">
-        <p14:creationId xmlns:p14="http://schemas.microsoft.com/office/powerpoint/2010/main" val="4009997321"/>
-      </p:ext>
-    </p:extLst>
-  </p:cSld>
-  <p:clrMapOvr>
-    <a:masterClrMapping/>
-  </p:clrMapOvr>
-</p:sld>
-</file>
-
-<file path=ppt/slides/slide31.xml><?xml version="1.0" encoding="utf-8"?>
-<p:sld xmlns:a="http://schemas.openxmlformats.org/drawingml/2006/main" xmlns:r="http://schemas.openxmlformats.org/officeDocument/2006/relationships" xmlns:p="http://schemas.openxmlformats.org/presentationml/2006/main">
-  <p:cSld>
-    <p:spTree>
-      <p:nvGrpSpPr>
-        <p:cNvPr id="1" name=""/>
-        <p:cNvGrpSpPr/>
-        <p:nvPr/>
-      </p:nvGrpSpPr>
-      <p:grpSpPr>
-        <a:xfrm>
-          <a:off x="0" y="0"/>
-          <a:ext cx="0" cy="0"/>
-          <a:chOff x="0" y="0"/>
-          <a:chExt cx="0" cy="0"/>
-        </a:xfrm>
-      </p:grpSpPr>
-    </p:spTree>
-    <p:extLst>
-      <p:ext uri="{BB962C8B-B14F-4D97-AF65-F5344CB8AC3E}">
-        <p14:creationId xmlns:p14="http://schemas.microsoft.com/office/powerpoint/2010/main" val="3454415740"/>
-      </p:ext>
-    </p:extLst>
-  </p:cSld>
-  <p:clrMapOvr>
-    <a:masterClrMapping/>
-  </p:clrMapOvr>
-</p:sld>
-</file>
-
-<file path=ppt/slides/slide32.xml><?xml version="1.0" encoding="utf-8"?>
-<p:sld xmlns:a="http://schemas.openxmlformats.org/drawingml/2006/main" xmlns:r="http://schemas.openxmlformats.org/officeDocument/2006/relationships" xmlns:p="http://schemas.openxmlformats.org/presentationml/2006/main">
-  <p:cSld>
-    <p:spTree>
-      <p:nvGrpSpPr>
-        <p:cNvPr id="1" name=""/>
-        <p:cNvGrpSpPr/>
-        <p:nvPr/>
-      </p:nvGrpSpPr>
-      <p:grpSpPr>
-        <a:xfrm>
-          <a:off x="0" y="0"/>
-          <a:ext cx="0" cy="0"/>
-          <a:chOff x="0" y="0"/>
-          <a:chExt cx="0" cy="0"/>
-        </a:xfrm>
-      </p:grpSpPr>
-    </p:spTree>
-    <p:extLst>
-      <p:ext uri="{BB962C8B-B14F-4D97-AF65-F5344CB8AC3E}">
-        <p14:creationId xmlns:p14="http://schemas.microsoft.com/office/powerpoint/2010/main" val="1322300796"/>
       </p:ext>
     </p:extLst>
   </p:cSld>
@@ -4317,13 +3788,6 @@
   <p:clrMapOvr>
     <a:masterClrMapping/>
   </p:clrMapOvr>
-  <p:timing>
-    <p:tnLst>
-      <p:par>
-        <p:cTn id="1" dur="indefinite" restart="never" nodeType="tmRoot"/>
-      </p:par>
-    </p:tnLst>
-  </p:timing>
 </p:sld>
 </file>
 
@@ -4416,13 +3880,6 @@
   <p:clrMapOvr>
     <a:masterClrMapping/>
   </p:clrMapOvr>
-  <p:timing>
-    <p:tnLst>
-      <p:par>
-        <p:cTn id="1" dur="indefinite" restart="never" nodeType="tmRoot"/>
-      </p:par>
-    </p:tnLst>
-  </p:timing>
 </p:sld>
 </file>
 
@@ -4503,13 +3960,6 @@
   <p:clrMapOvr>
     <a:masterClrMapping/>
   </p:clrMapOvr>
-  <p:timing>
-    <p:tnLst>
-      <p:par>
-        <p:cTn id="1" dur="indefinite" restart="never" nodeType="tmRoot"/>
-      </p:par>
-    </p:tnLst>
-  </p:timing>
 </p:sld>
 </file>
 
@@ -4564,13 +4014,6 @@
   <p:clrMapOvr>
     <a:masterClrMapping/>
   </p:clrMapOvr>
-  <p:timing>
-    <p:tnLst>
-      <p:par>
-        <p:cTn id="1" dur="indefinite" restart="never" nodeType="tmRoot"/>
-      </p:par>
-    </p:tnLst>
-  </p:timing>
 </p:sld>
 </file>
 
@@ -4649,13 +4092,6 @@
   <p:clrMapOvr>
     <a:masterClrMapping/>
   </p:clrMapOvr>
-  <p:timing>
-    <p:tnLst>
-      <p:par>
-        <p:cTn id="1" dur="indefinite" restart="never" nodeType="tmRoot"/>
-      </p:par>
-    </p:tnLst>
-  </p:timing>
 </p:sld>
 </file>
 
@@ -4734,13 +4170,6 @@
   <p:clrMapOvr>
     <a:masterClrMapping/>
   </p:clrMapOvr>
-  <p:timing>
-    <p:tnLst>
-      <p:par>
-        <p:cTn id="1" dur="indefinite" restart="never" nodeType="tmRoot"/>
-      </p:par>
-    </p:tnLst>
-  </p:timing>
 </p:sld>
 </file>
 
